--- a/exercises/consumers.pptx
+++ b/exercises/consumers.pptx
@@ -14,6 +14,10 @@
     <p:sldId id="266" r:id="rId8"/>
     <p:sldId id="265" r:id="rId9"/>
     <p:sldId id="267" r:id="rId10"/>
+    <p:sldId id="268" r:id="rId11"/>
+    <p:sldId id="270" r:id="rId12"/>
+    <p:sldId id="269" r:id="rId13"/>
+    <p:sldId id="271" r:id="rId14"/>
   </p:sldIdLst>
   <p:sldSz cx="12192000" cy="6858000"/>
   <p:notesSz cx="6858000" cy="9144000"/>
@@ -112,6 +116,11 @@
       </a:defRPr>
     </a:lvl9pPr>
   </p:defaultTextStyle>
+  <p:extLst>
+    <p:ext uri="{EFAFB233-063F-42B5-8137-9DF3F51BA10A}">
+      <p15:sldGuideLst xmlns:p15="http://schemas.microsoft.com/office/powerpoint/2012/main"/>
+    </p:ext>
+  </p:extLst>
 </p:presentation>
 </file>
 
@@ -264,7 +273,7 @@
           <a:p>
             <a:fld id="{A8981B37-E894-414B-96AE-4789DE7F7A94}" type="datetimeFigureOut">
               <a:rPr lang="en-US" smtClean="0"/>
-              <a:t>6/7/20</a:t>
+              <a:t>6/9/24</a:t>
             </a:fld>
             <a:endParaRPr lang="en-US"/>
           </a:p>
@@ -464,7 +473,7 @@
           <a:p>
             <a:fld id="{A8981B37-E894-414B-96AE-4789DE7F7A94}" type="datetimeFigureOut">
               <a:rPr lang="en-US" smtClean="0"/>
-              <a:t>6/7/20</a:t>
+              <a:t>6/9/24</a:t>
             </a:fld>
             <a:endParaRPr lang="en-US"/>
           </a:p>
@@ -674,7 +683,7 @@
           <a:p>
             <a:fld id="{A8981B37-E894-414B-96AE-4789DE7F7A94}" type="datetimeFigureOut">
               <a:rPr lang="en-US" smtClean="0"/>
-              <a:t>6/7/20</a:t>
+              <a:t>6/9/24</a:t>
             </a:fld>
             <a:endParaRPr lang="en-US"/>
           </a:p>
@@ -874,7 +883,7 @@
           <a:p>
             <a:fld id="{A8981B37-E894-414B-96AE-4789DE7F7A94}" type="datetimeFigureOut">
               <a:rPr lang="en-US" smtClean="0"/>
-              <a:t>6/7/20</a:t>
+              <a:t>6/9/24</a:t>
             </a:fld>
             <a:endParaRPr lang="en-US"/>
           </a:p>
@@ -1150,7 +1159,7 @@
           <a:p>
             <a:fld id="{A8981B37-E894-414B-96AE-4789DE7F7A94}" type="datetimeFigureOut">
               <a:rPr lang="en-US" smtClean="0"/>
-              <a:t>6/7/20</a:t>
+              <a:t>6/9/24</a:t>
             </a:fld>
             <a:endParaRPr lang="en-US"/>
           </a:p>
@@ -1418,7 +1427,7 @@
           <a:p>
             <a:fld id="{A8981B37-E894-414B-96AE-4789DE7F7A94}" type="datetimeFigureOut">
               <a:rPr lang="en-US" smtClean="0"/>
-              <a:t>6/7/20</a:t>
+              <a:t>6/9/24</a:t>
             </a:fld>
             <a:endParaRPr lang="en-US"/>
           </a:p>
@@ -1833,7 +1842,7 @@
           <a:p>
             <a:fld id="{A8981B37-E894-414B-96AE-4789DE7F7A94}" type="datetimeFigureOut">
               <a:rPr lang="en-US" smtClean="0"/>
-              <a:t>6/7/20</a:t>
+              <a:t>6/9/24</a:t>
             </a:fld>
             <a:endParaRPr lang="en-US"/>
           </a:p>
@@ -1975,7 +1984,7 @@
           <a:p>
             <a:fld id="{A8981B37-E894-414B-96AE-4789DE7F7A94}" type="datetimeFigureOut">
               <a:rPr lang="en-US" smtClean="0"/>
-              <a:t>6/7/20</a:t>
+              <a:t>6/9/24</a:t>
             </a:fld>
             <a:endParaRPr lang="en-US"/>
           </a:p>
@@ -2088,7 +2097,7 @@
           <a:p>
             <a:fld id="{A8981B37-E894-414B-96AE-4789DE7F7A94}" type="datetimeFigureOut">
               <a:rPr lang="en-US" smtClean="0"/>
-              <a:t>6/7/20</a:t>
+              <a:t>6/9/24</a:t>
             </a:fld>
             <a:endParaRPr lang="en-US"/>
           </a:p>
@@ -2401,7 +2410,7 @@
           <a:p>
             <a:fld id="{A8981B37-E894-414B-96AE-4789DE7F7A94}" type="datetimeFigureOut">
               <a:rPr lang="en-US" smtClean="0"/>
-              <a:t>6/7/20</a:t>
+              <a:t>6/9/24</a:t>
             </a:fld>
             <a:endParaRPr lang="en-US"/>
           </a:p>
@@ -2690,7 +2699,7 @@
           <a:p>
             <a:fld id="{A8981B37-E894-414B-96AE-4789DE7F7A94}" type="datetimeFigureOut">
               <a:rPr lang="en-US" smtClean="0"/>
-              <a:t>6/7/20</a:t>
+              <a:t>6/9/24</a:t>
             </a:fld>
             <a:endParaRPr lang="en-US"/>
           </a:p>
@@ -2933,7 +2942,7 @@
           <a:p>
             <a:fld id="{A8981B37-E894-414B-96AE-4789DE7F7A94}" type="datetimeFigureOut">
               <a:rPr lang="en-US" smtClean="0"/>
-              <a:t>6/7/20</a:t>
+              <a:t>6/9/24</a:t>
             </a:fld>
             <a:endParaRPr lang="en-US"/>
           </a:p>
@@ -3419,6 +3428,426 @@
 </p:sld>
 </file>
 
+<file path=ppt/slides/slide10.xml><?xml version="1.0" encoding="utf-8"?>
+<p:sld xmlns:a="http://schemas.openxmlformats.org/drawingml/2006/main" xmlns:r="http://schemas.openxmlformats.org/officeDocument/2006/relationships" xmlns:p="http://schemas.openxmlformats.org/presentationml/2006/main">
+  <p:cSld>
+    <p:spTree>
+      <p:nvGrpSpPr>
+        <p:cNvPr id="1" name=""/>
+        <p:cNvGrpSpPr/>
+        <p:nvPr/>
+      </p:nvGrpSpPr>
+      <p:grpSpPr>
+        <a:xfrm>
+          <a:off x="0" y="0"/>
+          <a:ext cx="0" cy="0"/>
+          <a:chOff x="0" y="0"/>
+          <a:chExt cx="0" cy="0"/>
+        </a:xfrm>
+      </p:grpSpPr>
+      <p:sp>
+        <p:nvSpPr>
+          <p:cNvPr id="2" name="Title 1">
+            <a:extLst>
+              <a:ext uri="{FF2B5EF4-FFF2-40B4-BE49-F238E27FC236}">
+                <a16:creationId xmlns:a16="http://schemas.microsoft.com/office/drawing/2014/main" id="{6903090A-A2F8-3245-83D2-906C40387AE6}"/>
+              </a:ext>
+            </a:extLst>
+          </p:cNvPr>
+          <p:cNvSpPr>
+            <a:spLocks noGrp="1"/>
+          </p:cNvSpPr>
+          <p:nvPr>
+            <p:ph type="title"/>
+          </p:nvPr>
+        </p:nvSpPr>
+        <p:spPr>
+          <a:xfrm>
+            <a:off x="920393" y="2820650"/>
+            <a:ext cx="10515600" cy="1019317"/>
+          </a:xfrm>
+        </p:spPr>
+        <p:txBody>
+          <a:bodyPr/>
+          <a:lstStyle/>
+          <a:p>
+            <a:pPr algn="ctr"/>
+            <a:r>
+              <a:rPr lang="en-US" dirty="0"/>
+              <a:t>Go</a:t>
+            </a:r>
+          </a:p>
+        </p:txBody>
+      </p:sp>
+    </p:spTree>
+    <p:extLst>
+      <p:ext uri="{BB962C8B-B14F-4D97-AF65-F5344CB8AC3E}">
+        <p14:creationId xmlns:p14="http://schemas.microsoft.com/office/powerpoint/2010/main" val="3257714132"/>
+      </p:ext>
+    </p:extLst>
+  </p:cSld>
+  <p:clrMapOvr>
+    <a:masterClrMapping/>
+  </p:clrMapOvr>
+</p:sld>
+</file>
+
+<file path=ppt/slides/slide11.xml><?xml version="1.0" encoding="utf-8"?>
+<p:sld xmlns:a="http://schemas.openxmlformats.org/drawingml/2006/main" xmlns:r="http://schemas.openxmlformats.org/officeDocument/2006/relationships" xmlns:p="http://schemas.openxmlformats.org/presentationml/2006/main">
+  <p:cSld>
+    <p:spTree>
+      <p:nvGrpSpPr>
+        <p:cNvPr id="1" name=""/>
+        <p:cNvGrpSpPr/>
+        <p:nvPr/>
+      </p:nvGrpSpPr>
+      <p:grpSpPr>
+        <a:xfrm>
+          <a:off x="0" y="0"/>
+          <a:ext cx="0" cy="0"/>
+          <a:chOff x="0" y="0"/>
+          <a:chExt cx="0" cy="0"/>
+        </a:xfrm>
+      </p:grpSpPr>
+      <p:pic>
+        <p:nvPicPr>
+          <p:cNvPr id="5" name="Picture 4" descr="A computer screen shot of a message&#10;&#10;Description automatically generated">
+            <a:extLst>
+              <a:ext uri="{FF2B5EF4-FFF2-40B4-BE49-F238E27FC236}">
+                <a16:creationId xmlns:a16="http://schemas.microsoft.com/office/drawing/2014/main" id="{52632563-133D-54D6-EDA2-1218581C74B9}"/>
+              </a:ext>
+            </a:extLst>
+          </p:cNvPr>
+          <p:cNvPicPr>
+            <a:picLocks noChangeAspect="1"/>
+          </p:cNvPicPr>
+          <p:nvPr/>
+        </p:nvPicPr>
+        <p:blipFill>
+          <a:blip r:embed="rId2"/>
+          <a:stretch>
+            <a:fillRect/>
+          </a:stretch>
+        </p:blipFill>
+        <p:spPr>
+          <a:xfrm>
+            <a:off x="1622511" y="1812153"/>
+            <a:ext cx="7772400" cy="3786766"/>
+          </a:xfrm>
+          <a:prstGeom prst="rect">
+            <a:avLst/>
+          </a:prstGeom>
+        </p:spPr>
+      </p:pic>
+      <p:sp>
+        <p:nvSpPr>
+          <p:cNvPr id="8" name="Line Callout 1 7">
+            <a:extLst>
+              <a:ext uri="{FF2B5EF4-FFF2-40B4-BE49-F238E27FC236}">
+                <a16:creationId xmlns:a16="http://schemas.microsoft.com/office/drawing/2014/main" id="{7390B825-6730-368B-AA34-A3C890133E72}"/>
+              </a:ext>
+            </a:extLst>
+          </p:cNvPr>
+          <p:cNvSpPr/>
+          <p:nvPr/>
+        </p:nvSpPr>
+        <p:spPr>
+          <a:xfrm>
+            <a:off x="7466813" y="1280539"/>
+            <a:ext cx="3102676" cy="2148461"/>
+          </a:xfrm>
+          <a:prstGeom prst="borderCallout1">
+            <a:avLst>
+              <a:gd name="adj1" fmla="val 18750"/>
+              <a:gd name="adj2" fmla="val -8333"/>
+              <a:gd name="adj3" fmla="val 90745"/>
+              <a:gd name="adj4" fmla="val -79404"/>
+            </a:avLst>
+          </a:prstGeom>
+        </p:spPr>
+        <p:style>
+          <a:lnRef idx="2">
+            <a:schemeClr val="accent1">
+              <a:shade val="50000"/>
+            </a:schemeClr>
+          </a:lnRef>
+          <a:fillRef idx="1">
+            <a:schemeClr val="accent1"/>
+          </a:fillRef>
+          <a:effectRef idx="0">
+            <a:schemeClr val="accent1"/>
+          </a:effectRef>
+          <a:fontRef idx="minor">
+            <a:schemeClr val="lt1"/>
+          </a:fontRef>
+        </p:style>
+        <p:txBody>
+          <a:bodyPr rtlCol="0" anchor="ctr"/>
+          <a:lstStyle/>
+          <a:p>
+            <a:pPr algn="ctr"/>
+            <a:r>
+              <a:rPr lang="en-US" dirty="0"/>
+              <a:t>This is the message pump – it loops doing:</a:t>
+            </a:r>
+          </a:p>
+          <a:p>
+            <a:pPr algn="ctr"/>
+            <a:r>
+              <a:rPr lang="en-US" dirty="0"/>
+              <a:t>Get </a:t>
+            </a:r>
+          </a:p>
+          <a:p>
+            <a:pPr algn="ctr"/>
+            <a:r>
+              <a:rPr lang="en-US" dirty="0"/>
+              <a:t>Translate</a:t>
+            </a:r>
+          </a:p>
+          <a:p>
+            <a:pPr algn="ctr"/>
+            <a:r>
+              <a:rPr lang="en-US" dirty="0"/>
+              <a:t>Dispatch</a:t>
+            </a:r>
+          </a:p>
+          <a:p>
+            <a:pPr algn="ctr"/>
+            <a:r>
+              <a:rPr lang="en-US" dirty="0"/>
+              <a:t>Although in our case, Get awaits a notification of work</a:t>
+            </a:r>
+          </a:p>
+          <a:p>
+            <a:pPr algn="ctr"/>
+            <a:endParaRPr lang="en-US" dirty="0"/>
+          </a:p>
+        </p:txBody>
+      </p:sp>
+    </p:spTree>
+    <p:extLst>
+      <p:ext uri="{BB962C8B-B14F-4D97-AF65-F5344CB8AC3E}">
+        <p14:creationId xmlns:p14="http://schemas.microsoft.com/office/powerpoint/2010/main" val="2839371307"/>
+      </p:ext>
+    </p:extLst>
+  </p:cSld>
+  <p:clrMapOvr>
+    <a:masterClrMapping/>
+  </p:clrMapOvr>
+</p:sld>
+</file>
+
+<file path=ppt/slides/slide12.xml><?xml version="1.0" encoding="utf-8"?>
+<p:sld xmlns:a="http://schemas.openxmlformats.org/drawingml/2006/main" xmlns:r="http://schemas.openxmlformats.org/officeDocument/2006/relationships" xmlns:p="http://schemas.openxmlformats.org/presentationml/2006/main">
+  <p:cSld>
+    <p:spTree>
+      <p:nvGrpSpPr>
+        <p:cNvPr id="1" name=""/>
+        <p:cNvGrpSpPr/>
+        <p:nvPr/>
+      </p:nvGrpSpPr>
+      <p:grpSpPr>
+        <a:xfrm>
+          <a:off x="0" y="0"/>
+          <a:ext cx="0" cy="0"/>
+          <a:chOff x="0" y="0"/>
+          <a:chExt cx="0" cy="0"/>
+        </a:xfrm>
+      </p:grpSpPr>
+      <p:sp>
+        <p:nvSpPr>
+          <p:cNvPr id="2" name="Title 1">
+            <a:extLst>
+              <a:ext uri="{FF2B5EF4-FFF2-40B4-BE49-F238E27FC236}">
+                <a16:creationId xmlns:a16="http://schemas.microsoft.com/office/drawing/2014/main" id="{6903090A-A2F8-3245-83D2-906C40387AE6}"/>
+              </a:ext>
+            </a:extLst>
+          </p:cNvPr>
+          <p:cNvSpPr>
+            <a:spLocks noGrp="1"/>
+          </p:cNvSpPr>
+          <p:nvPr>
+            <p:ph type="title"/>
+          </p:nvPr>
+        </p:nvSpPr>
+        <p:spPr>
+          <a:xfrm>
+            <a:off x="920393" y="2820650"/>
+            <a:ext cx="10515600" cy="1019317"/>
+          </a:xfrm>
+        </p:spPr>
+        <p:txBody>
+          <a:bodyPr/>
+          <a:lstStyle/>
+          <a:p>
+            <a:pPr algn="ctr"/>
+            <a:r>
+              <a:rPr lang="en-US" dirty="0"/>
+              <a:t>Java</a:t>
+            </a:r>
+          </a:p>
+        </p:txBody>
+      </p:sp>
+    </p:spTree>
+    <p:extLst>
+      <p:ext uri="{BB962C8B-B14F-4D97-AF65-F5344CB8AC3E}">
+        <p14:creationId xmlns:p14="http://schemas.microsoft.com/office/powerpoint/2010/main" val="219912289"/>
+      </p:ext>
+    </p:extLst>
+  </p:cSld>
+  <p:clrMapOvr>
+    <a:masterClrMapping/>
+  </p:clrMapOvr>
+</p:sld>
+</file>
+
+<file path=ppt/slides/slide13.xml><?xml version="1.0" encoding="utf-8"?>
+<p:sld xmlns:a="http://schemas.openxmlformats.org/drawingml/2006/main" xmlns:r="http://schemas.openxmlformats.org/officeDocument/2006/relationships" xmlns:p="http://schemas.openxmlformats.org/presentationml/2006/main">
+  <p:cSld>
+    <p:spTree>
+      <p:nvGrpSpPr>
+        <p:cNvPr id="1" name=""/>
+        <p:cNvGrpSpPr/>
+        <p:nvPr/>
+      </p:nvGrpSpPr>
+      <p:grpSpPr>
+        <a:xfrm>
+          <a:off x="0" y="0"/>
+          <a:ext cx="0" cy="0"/>
+          <a:chOff x="0" y="0"/>
+          <a:chExt cx="0" cy="0"/>
+        </a:xfrm>
+      </p:grpSpPr>
+      <p:pic>
+        <p:nvPicPr>
+          <p:cNvPr id="5" name="Picture 4" descr="A screenshot of a computer code&#10;&#10;Description automatically generated">
+            <a:extLst>
+              <a:ext uri="{FF2B5EF4-FFF2-40B4-BE49-F238E27FC236}">
+                <a16:creationId xmlns:a16="http://schemas.microsoft.com/office/drawing/2014/main" id="{A0485A3B-9091-FEB9-FD28-BF37909FABA4}"/>
+              </a:ext>
+            </a:extLst>
+          </p:cNvPr>
+          <p:cNvPicPr>
+            <a:picLocks noChangeAspect="1"/>
+          </p:cNvPicPr>
+          <p:nvPr/>
+        </p:nvPicPr>
+        <p:blipFill>
+          <a:blip r:embed="rId2"/>
+          <a:stretch>
+            <a:fillRect/>
+          </a:stretch>
+        </p:blipFill>
+        <p:spPr>
+          <a:xfrm>
+            <a:off x="1889039" y="1417173"/>
+            <a:ext cx="7772400" cy="4023654"/>
+          </a:xfrm>
+          <a:prstGeom prst="rect">
+            <a:avLst/>
+          </a:prstGeom>
+        </p:spPr>
+      </p:pic>
+      <p:sp>
+        <p:nvSpPr>
+          <p:cNvPr id="8" name="Line Callout 1 7">
+            <a:extLst>
+              <a:ext uri="{FF2B5EF4-FFF2-40B4-BE49-F238E27FC236}">
+                <a16:creationId xmlns:a16="http://schemas.microsoft.com/office/drawing/2014/main" id="{D2555E99-D97A-6A1F-7689-332B1F8769AF}"/>
+              </a:ext>
+            </a:extLst>
+          </p:cNvPr>
+          <p:cNvSpPr/>
+          <p:nvPr/>
+        </p:nvSpPr>
+        <p:spPr>
+          <a:xfrm>
+            <a:off x="7466813" y="1280539"/>
+            <a:ext cx="3102676" cy="2148461"/>
+          </a:xfrm>
+          <a:prstGeom prst="borderCallout1">
+            <a:avLst>
+              <a:gd name="adj1" fmla="val 18750"/>
+              <a:gd name="adj2" fmla="val -8333"/>
+              <a:gd name="adj3" fmla="val 90745"/>
+              <a:gd name="adj4" fmla="val -79404"/>
+            </a:avLst>
+          </a:prstGeom>
+        </p:spPr>
+        <p:style>
+          <a:lnRef idx="2">
+            <a:schemeClr val="accent1">
+              <a:shade val="50000"/>
+            </a:schemeClr>
+          </a:lnRef>
+          <a:fillRef idx="1">
+            <a:schemeClr val="accent1"/>
+          </a:fillRef>
+          <a:effectRef idx="0">
+            <a:schemeClr val="accent1"/>
+          </a:effectRef>
+          <a:fontRef idx="minor">
+            <a:schemeClr val="lt1"/>
+          </a:fontRef>
+        </p:style>
+        <p:txBody>
+          <a:bodyPr rtlCol="0" anchor="ctr"/>
+          <a:lstStyle/>
+          <a:p>
+            <a:pPr algn="ctr"/>
+            <a:r>
+              <a:rPr lang="en-US" dirty="0"/>
+              <a:t>This is the message pump – it loops doing:</a:t>
+            </a:r>
+          </a:p>
+          <a:p>
+            <a:pPr algn="ctr"/>
+            <a:r>
+              <a:rPr lang="en-US" dirty="0"/>
+              <a:t>Get </a:t>
+            </a:r>
+          </a:p>
+          <a:p>
+            <a:pPr algn="ctr"/>
+            <a:r>
+              <a:rPr lang="en-US" dirty="0"/>
+              <a:t>Translate</a:t>
+            </a:r>
+          </a:p>
+          <a:p>
+            <a:pPr algn="ctr"/>
+            <a:r>
+              <a:rPr lang="en-US" dirty="0"/>
+              <a:t>Dispatch</a:t>
+            </a:r>
+          </a:p>
+          <a:p>
+            <a:pPr algn="ctr"/>
+            <a:r>
+              <a:rPr lang="en-US" dirty="0"/>
+              <a:t>Although in our case, Get awaits a notification of work</a:t>
+            </a:r>
+          </a:p>
+          <a:p>
+            <a:pPr algn="ctr"/>
+            <a:endParaRPr lang="en-US" dirty="0"/>
+          </a:p>
+        </p:txBody>
+      </p:sp>
+    </p:spTree>
+    <p:extLst>
+      <p:ext uri="{BB962C8B-B14F-4D97-AF65-F5344CB8AC3E}">
+        <p14:creationId xmlns:p14="http://schemas.microsoft.com/office/powerpoint/2010/main" val="462158148"/>
+      </p:ext>
+    </p:extLst>
+  </p:cSld>
+  <p:clrMapOvr>
+    <a:masterClrMapping/>
+  </p:clrMapOvr>
+</p:sld>
+</file>
+
 <file path=ppt/slides/slide2.xml><?xml version="1.0" encoding="utf-8"?>
 <p:sld xmlns:a="http://schemas.openxmlformats.org/drawingml/2006/main" xmlns:r="http://schemas.openxmlformats.org/officeDocument/2006/relationships" xmlns:p="http://schemas.openxmlformats.org/presentationml/2006/main">
   <p:cSld>
@@ -4323,13 +4752,8 @@
             <a:pPr algn="ctr"/>
             <a:r>
               <a:rPr lang="en-US" dirty="0"/>
-              <a:t>Although in our case, Get awaits a notification </a:t>
-            </a:r>
-            <a:r>
-              <a:rPr lang="en-US"/>
-              <a:t>of work</a:t>
-            </a:r>
-            <a:endParaRPr lang="en-US" dirty="0"/>
+              <a:t>Although in our case, Get awaits a notification of work</a:t>
+            </a:r>
           </a:p>
           <a:p>
             <a:pPr algn="ctr"/>
